--- a/WorkFlow.pptx
+++ b/WorkFlow.pptx
@@ -3602,6 +3602,57 @@
       </p:grpSpPr>
       <p:sp>
         <p:nvSpPr>
+          <p:cNvPr id="6" name="Snip Diagonal Corner Rectangle 5"/>
+          <p:cNvSpPr/>
+          <p:nvPr/>
+        </p:nvSpPr>
+        <p:spPr>
+          <a:xfrm>
+            <a:off x="1246410" y="5882931"/>
+            <a:ext cx="6370975" cy="546261"/>
+          </a:xfrm>
+          <a:prstGeom prst="snip2DiagRect">
+            <a:avLst>
+              <a:gd name="adj1" fmla="val 0"/>
+              <a:gd name="adj2" fmla="val 37856"/>
+            </a:avLst>
+          </a:prstGeom>
+          <a:solidFill>
+            <a:schemeClr val="bg2"/>
+          </a:solidFill>
+          <a:ln>
+            <a:solidFill>
+              <a:schemeClr val="bg1"/>
+            </a:solidFill>
+          </a:ln>
+        </p:spPr>
+        <p:style>
+          <a:lnRef idx="2">
+            <a:schemeClr val="accent1">
+              <a:shade val="50000"/>
+            </a:schemeClr>
+          </a:lnRef>
+          <a:fillRef idx="1">
+            <a:schemeClr val="accent1"/>
+          </a:fillRef>
+          <a:effectRef idx="0">
+            <a:schemeClr val="accent1"/>
+          </a:effectRef>
+          <a:fontRef idx="minor">
+            <a:schemeClr val="lt1"/>
+          </a:fontRef>
+        </p:style>
+        <p:txBody>
+          <a:bodyPr rtlCol="0" anchor="ctr"/>
+          <a:lstStyle/>
+          <a:p>
+            <a:pPr algn="ctr"/>
+            <a:endParaRPr lang="en-US"/>
+          </a:p>
+        </p:txBody>
+      </p:sp>
+      <p:sp>
+        <p:nvSpPr>
           <p:cNvPr id="12" name="Snip Same Side Corner Rectangle 11"/>
           <p:cNvSpPr/>
           <p:nvPr/>
@@ -3962,14 +4013,7 @@
                 <a:ea typeface="Courier New" charset="0"/>
                 <a:cs typeface="Courier New" charset="0"/>
               </a:rPr>
-              <a:t>Merge </a:t>
-            </a:r>
-            <a:r>
-              <a:rPr lang="en-US" sz="2000" smtClean="0">
-                <a:ea typeface="Courier New" charset="0"/>
-                <a:cs typeface="Courier New" charset="0"/>
-              </a:rPr>
-              <a:t>metadata  |  Exploratory plots  |  Mapping   |  Data </a:t>
+              <a:t>Merge metadata  |  Exploratory plots  |  Mapping   |  Data </a:t>
             </a:r>
             <a:r>
               <a:rPr lang="en-US" sz="2000" dirty="0" smtClean="0">
@@ -4150,14 +4194,7 @@
                 <a:ea typeface="Courier New" charset="0"/>
                 <a:cs typeface="Courier New" charset="0"/>
               </a:rPr>
-              <a:t>Separation </a:t>
-            </a:r>
-            <a:r>
-              <a:rPr lang="en-US" sz="2000" smtClean="0">
-                <a:ea typeface="Courier New" charset="0"/>
-                <a:cs typeface="Courier New" charset="0"/>
-              </a:rPr>
-              <a:t>distances | Colony abundance | Nest locations | Demographics</a:t>
+              <a:t>Separation distances | Colony abundance | Nest locations | Demographics</a:t>
             </a:r>
             <a:endParaRPr lang="en-US" sz="2000">
               <a:ea typeface="Courier New" charset="0"/>
@@ -4286,33 +4323,7 @@
                 <a:ea typeface="Courier" charset="0"/>
                 <a:cs typeface="Courier" charset="0"/>
               </a:rPr>
-              <a:t>runalign   </a:t>
-            </a:r>
-            <a:r>
-              <a:rPr lang="en-US" sz="1400" smtClean="0">
-                <a:solidFill>
-                  <a:schemeClr val="bg2">
-                    <a:lumMod val="75000"/>
-                  </a:schemeClr>
-                </a:solidFill>
-                <a:latin typeface="Courier" charset="0"/>
-                <a:ea typeface="Courier" charset="0"/>
-                <a:cs typeface="Courier" charset="0"/>
-              </a:rPr>
-              <a:t>filter_count   </a:t>
-            </a:r>
-            <a:r>
-              <a:rPr lang="en-US" sz="1400" smtClean="0">
-                <a:solidFill>
-                  <a:schemeClr val="bg2">
-                    <a:lumMod val="75000"/>
-                  </a:schemeClr>
-                </a:solidFill>
-                <a:latin typeface="Courier" charset="0"/>
-                <a:ea typeface="Courier" charset="0"/>
-                <a:cs typeface="Courier" charset="0"/>
-              </a:rPr>
-              <a:t>genoget   geno2colony   DAT_maker   colony_runner</a:t>
+              <a:t>runalign   filter_count   genoget   geno2colony   DAT_maker   colony_runner</a:t>
             </a:r>
             <a:endParaRPr lang="en-US" sz="1400" dirty="0">
               <a:solidFill>
@@ -4957,423 +4968,353 @@
       </p:cxnSp>
       <p:grpSp>
         <p:nvGrpSpPr>
-          <p:cNvPr id="113" name="Group 112"/>
+          <p:cNvPr id="92" name="Group 91"/>
           <p:cNvGrpSpPr/>
           <p:nvPr/>
         </p:nvGrpSpPr>
         <p:grpSpPr>
           <a:xfrm>
-            <a:off x="7926393" y="5865444"/>
-            <a:ext cx="3560538" cy="647051"/>
-            <a:chOff x="7846880" y="5971460"/>
-            <a:chExt cx="3560538" cy="647051"/>
-          </a:xfrm>
+            <a:off x="8476719" y="5860058"/>
+            <a:ext cx="679257" cy="633836"/>
+            <a:chOff x="2377440" y="1950720"/>
+            <a:chExt cx="2441448" cy="2423160"/>
+          </a:xfrm>
+          <a:solidFill>
+            <a:schemeClr val="accent5">
+              <a:alpha val="51000"/>
+            </a:schemeClr>
+          </a:solidFill>
         </p:grpSpPr>
-        <p:grpSp>
-          <p:nvGrpSpPr>
-            <p:cNvPr id="92" name="Group 91"/>
-            <p:cNvGrpSpPr/>
+        <p:pic>
+          <p:nvPicPr>
+            <p:cNvPr id="93" name="Picture 92"/>
+            <p:cNvPicPr>
+              <a:picLocks noChangeAspect="1"/>
+            </p:cNvPicPr>
             <p:nvPr/>
-          </p:nvGrpSpPr>
-          <p:grpSpPr>
+          </p:nvPicPr>
+          <p:blipFill rotWithShape="1">
+            <a:blip r:embed="rId2">
+              <a:extLst>
+                <a:ext uri="{28A0092B-C50C-407E-A947-70E740481C1C}">
+                  <a14:useLocalDpi xmlns:a14="http://schemas.microsoft.com/office/drawing/2010/main" val="0"/>
+                </a:ext>
+              </a:extLst>
+            </a:blip>
+            <a:srcRect l="18940" t="81" r="56818" b="22003"/>
+            <a:stretch/>
+          </p:blipFill>
+          <p:spPr>
             <a:xfrm>
-              <a:off x="7846880" y="5971460"/>
-              <a:ext cx="679257" cy="633836"/>
-              <a:chOff x="2377440" y="1950720"/>
-              <a:chExt cx="2441448" cy="2423160"/>
+              <a:off x="2377440" y="1950720"/>
+              <a:ext cx="2438400" cy="2423160"/>
             </a:xfrm>
-            <a:solidFill>
-              <a:schemeClr val="accent5">
-                <a:alpha val="51000"/>
+            <a:prstGeom prst="ellipse">
+              <a:avLst/>
+            </a:prstGeom>
+            <a:grpFill/>
+            <a:ln w="3175">
+              <a:solidFill>
+                <a:schemeClr val="bg1"/>
+              </a:solidFill>
+            </a:ln>
+          </p:spPr>
+        </p:pic>
+        <p:sp>
+          <p:nvSpPr>
+            <p:cNvPr id="94" name="Oval 93"/>
+            <p:cNvSpPr/>
+            <p:nvPr/>
+          </p:nvSpPr>
+          <p:spPr>
+            <a:xfrm>
+              <a:off x="2377440" y="1950720"/>
+              <a:ext cx="2441448" cy="2423160"/>
+            </a:xfrm>
+            <a:prstGeom prst="ellipse">
+              <a:avLst/>
+            </a:prstGeom>
+            <a:grpFill/>
+            <a:ln w="3175">
+              <a:solidFill>
+                <a:schemeClr val="bg1"/>
+              </a:solidFill>
+            </a:ln>
+          </p:spPr>
+          <p:style>
+            <a:lnRef idx="2">
+              <a:schemeClr val="accent1">
+                <a:shade val="50000"/>
               </a:schemeClr>
-            </a:solidFill>
-          </p:grpSpPr>
-          <p:pic>
-            <p:nvPicPr>
-              <p:cNvPr id="93" name="Picture 92"/>
-              <p:cNvPicPr>
-                <a:picLocks noChangeAspect="1"/>
-              </p:cNvPicPr>
-              <p:nvPr/>
-            </p:nvPicPr>
-            <p:blipFill rotWithShape="1">
-              <a:blip r:embed="rId2">
-                <a:extLst>
-                  <a:ext uri="{28A0092B-C50C-407E-A947-70E740481C1C}">
-                    <a14:useLocalDpi xmlns:a14="http://schemas.microsoft.com/office/drawing/2010/main" val="0"/>
-                  </a:ext>
-                </a:extLst>
-              </a:blip>
-              <a:srcRect l="18940" t="81" r="56818" b="22003"/>
-              <a:stretch/>
-            </p:blipFill>
-            <p:spPr>
-              <a:xfrm>
-                <a:off x="2377440" y="1950720"/>
-                <a:ext cx="2438400" cy="2423160"/>
-              </a:xfrm>
-              <a:prstGeom prst="ellipse">
-                <a:avLst/>
-              </a:prstGeom>
-              <a:grpFill/>
-              <a:ln w="3175">
+            </a:lnRef>
+            <a:fillRef idx="1">
+              <a:schemeClr val="accent1"/>
+            </a:fillRef>
+            <a:effectRef idx="0">
+              <a:schemeClr val="accent1"/>
+            </a:effectRef>
+            <a:fontRef idx="minor">
+              <a:schemeClr val="lt1"/>
+            </a:fontRef>
+          </p:style>
+          <p:txBody>
+            <a:bodyPr rtlCol="0" anchor="ctr"/>
+            <a:lstStyle/>
+            <a:p>
+              <a:pPr algn="ctr"/>
+              <a:endParaRPr lang="en-US"/>
+            </a:p>
+          </p:txBody>
+        </p:sp>
+      </p:grpSp>
+      <p:grpSp>
+        <p:nvGrpSpPr>
+          <p:cNvPr id="107" name="Group 106"/>
+          <p:cNvGrpSpPr/>
+          <p:nvPr/>
+        </p:nvGrpSpPr>
+        <p:grpSpPr>
+          <a:xfrm>
+            <a:off x="9444203" y="5848652"/>
+            <a:ext cx="679257" cy="633836"/>
+            <a:chOff x="2377440" y="1950720"/>
+            <a:chExt cx="2441448" cy="2423160"/>
+          </a:xfrm>
+          <a:solidFill>
+            <a:schemeClr val="accent1">
+              <a:alpha val="51000"/>
+            </a:schemeClr>
+          </a:solidFill>
+        </p:grpSpPr>
+        <p:pic>
+          <p:nvPicPr>
+            <p:cNvPr id="108" name="Picture 107"/>
+            <p:cNvPicPr>
+              <a:picLocks noChangeAspect="1"/>
+            </p:cNvPicPr>
+            <p:nvPr/>
+          </p:nvPicPr>
+          <p:blipFill rotWithShape="1">
+            <a:blip r:embed="rId2">
+              <a:extLst>
+                <a:ext uri="{28A0092B-C50C-407E-A947-70E740481C1C}">
+                  <a14:useLocalDpi xmlns:a14="http://schemas.microsoft.com/office/drawing/2010/main" val="0"/>
+                </a:ext>
+              </a:extLst>
+            </a:blip>
+            <a:srcRect l="18940" t="81" r="56818" b="22003"/>
+            <a:stretch/>
+          </p:blipFill>
+          <p:spPr>
+            <a:xfrm>
+              <a:off x="2377440" y="1950720"/>
+              <a:ext cx="2438400" cy="2423160"/>
+            </a:xfrm>
+            <a:prstGeom prst="ellipse">
+              <a:avLst/>
+            </a:prstGeom>
+            <a:grpFill/>
+            <a:ln w="3175">
+              <a:solidFill>
+                <a:schemeClr val="bg1"/>
+              </a:solidFill>
+            </a:ln>
+          </p:spPr>
+        </p:pic>
+        <p:sp>
+          <p:nvSpPr>
+            <p:cNvPr id="109" name="Oval 108"/>
+            <p:cNvSpPr/>
+            <p:nvPr/>
+          </p:nvSpPr>
+          <p:spPr>
+            <a:xfrm>
+              <a:off x="2377440" y="1950720"/>
+              <a:ext cx="2441448" cy="2423160"/>
+            </a:xfrm>
+            <a:prstGeom prst="ellipse">
+              <a:avLst/>
+            </a:prstGeom>
+            <a:grpFill/>
+            <a:ln w="3175">
+              <a:solidFill>
+                <a:schemeClr val="bg1"/>
+              </a:solidFill>
+            </a:ln>
+          </p:spPr>
+          <p:style>
+            <a:lnRef idx="2">
+              <a:schemeClr val="accent1">
+                <a:shade val="50000"/>
+              </a:schemeClr>
+            </a:lnRef>
+            <a:fillRef idx="1">
+              <a:schemeClr val="accent1"/>
+            </a:fillRef>
+            <a:effectRef idx="0">
+              <a:schemeClr val="accent1"/>
+            </a:effectRef>
+            <a:fontRef idx="minor">
+              <a:schemeClr val="lt1"/>
+            </a:fontRef>
+          </p:style>
+          <p:txBody>
+            <a:bodyPr rtlCol="0" anchor="ctr"/>
+            <a:lstStyle/>
+            <a:p>
+              <a:pPr algn="ctr"/>
+              <a:endParaRPr lang="en-US"/>
+            </a:p>
+          </p:txBody>
+        </p:sp>
+      </p:grpSp>
+      <p:grpSp>
+        <p:nvGrpSpPr>
+          <p:cNvPr id="110" name="Group 109"/>
+          <p:cNvGrpSpPr/>
+          <p:nvPr/>
+        </p:nvGrpSpPr>
+        <p:grpSpPr>
+          <a:xfrm>
+            <a:off x="10404630" y="5847681"/>
+            <a:ext cx="679257" cy="633836"/>
+            <a:chOff x="2377440" y="1950720"/>
+            <a:chExt cx="2441448" cy="2423160"/>
+          </a:xfrm>
+          <a:solidFill>
+            <a:schemeClr val="accent3">
+              <a:alpha val="51000"/>
+            </a:schemeClr>
+          </a:solidFill>
+        </p:grpSpPr>
+        <p:pic>
+          <p:nvPicPr>
+            <p:cNvPr id="111" name="Picture 110"/>
+            <p:cNvPicPr>
+              <a:picLocks noChangeAspect="1"/>
+            </p:cNvPicPr>
+            <p:nvPr/>
+          </p:nvPicPr>
+          <p:blipFill rotWithShape="1">
+            <a:blip r:embed="rId2">
+              <a:extLst>
+                <a:ext uri="{28A0092B-C50C-407E-A947-70E740481C1C}">
+                  <a14:useLocalDpi xmlns:a14="http://schemas.microsoft.com/office/drawing/2010/main" val="0"/>
+                </a:ext>
+              </a:extLst>
+            </a:blip>
+            <a:srcRect l="18940" t="81" r="56818" b="22003"/>
+            <a:stretch/>
+          </p:blipFill>
+          <p:spPr>
+            <a:xfrm>
+              <a:off x="2377440" y="1950720"/>
+              <a:ext cx="2438400" cy="2423160"/>
+            </a:xfrm>
+            <a:prstGeom prst="ellipse">
+              <a:avLst/>
+            </a:prstGeom>
+            <a:grpFill/>
+            <a:ln w="3175">
+              <a:solidFill>
+                <a:schemeClr val="bg1"/>
+              </a:solidFill>
+            </a:ln>
+          </p:spPr>
+        </p:pic>
+        <p:sp>
+          <p:nvSpPr>
+            <p:cNvPr id="112" name="Oval 111"/>
+            <p:cNvSpPr/>
+            <p:nvPr/>
+          </p:nvSpPr>
+          <p:spPr>
+            <a:xfrm>
+              <a:off x="2377440" y="1950720"/>
+              <a:ext cx="2441448" cy="2423160"/>
+            </a:xfrm>
+            <a:prstGeom prst="ellipse">
+              <a:avLst/>
+            </a:prstGeom>
+            <a:grpFill/>
+            <a:ln w="3175">
+              <a:solidFill>
+                <a:schemeClr val="bg1"/>
+              </a:solidFill>
+            </a:ln>
+          </p:spPr>
+          <p:style>
+            <a:lnRef idx="2">
+              <a:schemeClr val="accent1">
+                <a:shade val="50000"/>
+              </a:schemeClr>
+            </a:lnRef>
+            <a:fillRef idx="1">
+              <a:schemeClr val="accent1"/>
+            </a:fillRef>
+            <a:effectRef idx="0">
+              <a:schemeClr val="accent1"/>
+            </a:effectRef>
+            <a:fontRef idx="minor">
+              <a:schemeClr val="lt1"/>
+            </a:fontRef>
+          </p:style>
+          <p:txBody>
+            <a:bodyPr rtlCol="0" anchor="ctr"/>
+            <a:lstStyle/>
+            <a:p>
+              <a:pPr algn="ctr"/>
+              <a:endParaRPr lang="en-US"/>
+            </a:p>
+          </p:txBody>
+        </p:sp>
+      </p:grpSp>
+      <p:sp>
+        <p:nvSpPr>
+          <p:cNvPr id="5" name="TextBox 4"/>
+          <p:cNvSpPr txBox="1"/>
+          <p:nvPr/>
+        </p:nvSpPr>
+        <p:spPr>
+          <a:xfrm>
+            <a:off x="1430903" y="5986197"/>
+            <a:ext cx="6054927" cy="338554"/>
+          </a:xfrm>
+          <a:prstGeom prst="rect">
+            <a:avLst/>
+          </a:prstGeom>
+          <a:noFill/>
+        </p:spPr>
+        <p:txBody>
+          <a:bodyPr wrap="none" rtlCol="0">
+            <a:spAutoFit/>
+          </a:bodyPr>
+          <a:lstStyle/>
+          <a:p>
+            <a:r>
+              <a:rPr lang="en-US" sz="1600" smtClean="0">
                 <a:solidFill>
-                  <a:schemeClr val="bg1"/>
+                  <a:schemeClr val="accent1"/>
                 </a:solidFill>
-              </a:ln>
-            </p:spPr>
-          </p:pic>
-          <p:sp>
-            <p:nvSpPr>
-              <p:cNvPr id="94" name="Oval 93"/>
-              <p:cNvSpPr/>
-              <p:nvPr/>
-            </p:nvSpPr>
-            <p:spPr>
-              <a:xfrm>
-                <a:off x="2377440" y="1950720"/>
-                <a:ext cx="2441448" cy="2423160"/>
-              </a:xfrm>
-              <a:prstGeom prst="ellipse">
-                <a:avLst/>
-              </a:prstGeom>
-              <a:grpFill/>
-              <a:ln w="3175">
-                <a:solidFill>
-                  <a:schemeClr val="bg1"/>
-                </a:solidFill>
-              </a:ln>
-            </p:spPr>
-            <p:style>
-              <a:lnRef idx="2">
-                <a:schemeClr val="accent1">
-                  <a:shade val="50000"/>
-                </a:schemeClr>
-              </a:lnRef>
-              <a:fillRef idx="1">
-                <a:schemeClr val="accent1"/>
-              </a:fillRef>
-              <a:effectRef idx="0">
-                <a:schemeClr val="accent1"/>
-              </a:effectRef>
-              <a:fontRef idx="minor">
-                <a:schemeClr val="lt1"/>
-              </a:fontRef>
-            </p:style>
-            <p:txBody>
-              <a:bodyPr rtlCol="0" anchor="ctr"/>
-              <a:lstStyle/>
-              <a:p>
-                <a:pPr algn="ctr"/>
-                <a:endParaRPr lang="en-US"/>
-              </a:p>
-            </p:txBody>
-          </p:sp>
-        </p:grpSp>
-        <p:grpSp>
-          <p:nvGrpSpPr>
-            <p:cNvPr id="104" name="Group 103"/>
-            <p:cNvGrpSpPr/>
-            <p:nvPr/>
-          </p:nvGrpSpPr>
-          <p:grpSpPr>
-            <a:xfrm>
-              <a:off x="8807307" y="5983704"/>
-              <a:ext cx="679257" cy="633836"/>
-              <a:chOff x="2377440" y="1950720"/>
-              <a:chExt cx="2441448" cy="2423160"/>
-            </a:xfrm>
-            <a:solidFill>
-              <a:schemeClr val="bg2">
-                <a:alpha val="51000"/>
-              </a:schemeClr>
-            </a:solidFill>
-          </p:grpSpPr>
-          <p:pic>
-            <p:nvPicPr>
-              <p:cNvPr id="105" name="Picture 104"/>
-              <p:cNvPicPr>
-                <a:picLocks noChangeAspect="1"/>
-              </p:cNvPicPr>
-              <p:nvPr/>
-            </p:nvPicPr>
-            <p:blipFill rotWithShape="1">
-              <a:blip r:embed="rId2">
-                <a:extLst>
-                  <a:ext uri="{28A0092B-C50C-407E-A947-70E740481C1C}">
-                    <a14:useLocalDpi xmlns:a14="http://schemas.microsoft.com/office/drawing/2010/main" val="0"/>
-                  </a:ext>
-                </a:extLst>
-              </a:blip>
-              <a:srcRect l="18940" t="81" r="56818" b="22003"/>
-              <a:stretch/>
-            </p:blipFill>
-            <p:spPr>
-              <a:xfrm>
-                <a:off x="2377440" y="1950720"/>
-                <a:ext cx="2438400" cy="2423160"/>
-              </a:xfrm>
-              <a:prstGeom prst="ellipse">
-                <a:avLst/>
-              </a:prstGeom>
-              <a:grpFill/>
-              <a:ln w="3175">
-                <a:solidFill>
-                  <a:schemeClr val="bg1"/>
-                </a:solidFill>
-              </a:ln>
-            </p:spPr>
-          </p:pic>
-          <p:sp>
-            <p:nvSpPr>
-              <p:cNvPr id="106" name="Oval 105"/>
-              <p:cNvSpPr/>
-              <p:nvPr/>
-            </p:nvSpPr>
-            <p:spPr>
-              <a:xfrm>
-                <a:off x="2377440" y="1950720"/>
-                <a:ext cx="2441448" cy="2423160"/>
-              </a:xfrm>
-              <a:prstGeom prst="ellipse">
-                <a:avLst/>
-              </a:prstGeom>
-              <a:grpFill/>
-              <a:ln w="3175">
-                <a:solidFill>
-                  <a:schemeClr val="bg1"/>
-                </a:solidFill>
-              </a:ln>
-            </p:spPr>
-            <p:style>
-              <a:lnRef idx="2">
-                <a:schemeClr val="accent1">
-                  <a:shade val="50000"/>
-                </a:schemeClr>
-              </a:lnRef>
-              <a:fillRef idx="1">
-                <a:schemeClr val="accent1"/>
-              </a:fillRef>
-              <a:effectRef idx="0">
-                <a:schemeClr val="accent1"/>
-              </a:effectRef>
-              <a:fontRef idx="minor">
-                <a:schemeClr val="lt1"/>
-              </a:fontRef>
-            </p:style>
-            <p:txBody>
-              <a:bodyPr rtlCol="0" anchor="ctr"/>
-              <a:lstStyle/>
-              <a:p>
-                <a:pPr algn="ctr"/>
-                <a:endParaRPr lang="en-US"/>
-              </a:p>
-            </p:txBody>
-          </p:sp>
-        </p:grpSp>
-        <p:grpSp>
-          <p:nvGrpSpPr>
-            <p:cNvPr id="107" name="Group 106"/>
-            <p:cNvGrpSpPr/>
-            <p:nvPr/>
-          </p:nvGrpSpPr>
-          <p:grpSpPr>
-            <a:xfrm>
-              <a:off x="9767734" y="5984675"/>
-              <a:ext cx="679257" cy="633836"/>
-              <a:chOff x="2377440" y="1950720"/>
-              <a:chExt cx="2441448" cy="2423160"/>
-            </a:xfrm>
-            <a:solidFill>
-              <a:schemeClr val="accent1">
-                <a:alpha val="51000"/>
-              </a:schemeClr>
-            </a:solidFill>
-          </p:grpSpPr>
-          <p:pic>
-            <p:nvPicPr>
-              <p:cNvPr id="108" name="Picture 107"/>
-              <p:cNvPicPr>
-                <a:picLocks noChangeAspect="1"/>
-              </p:cNvPicPr>
-              <p:nvPr/>
-            </p:nvPicPr>
-            <p:blipFill rotWithShape="1">
-              <a:blip r:embed="rId2">
-                <a:extLst>
-                  <a:ext uri="{28A0092B-C50C-407E-A947-70E740481C1C}">
-                    <a14:useLocalDpi xmlns:a14="http://schemas.microsoft.com/office/drawing/2010/main" val="0"/>
-                  </a:ext>
-                </a:extLst>
-              </a:blip>
-              <a:srcRect l="18940" t="81" r="56818" b="22003"/>
-              <a:stretch/>
-            </p:blipFill>
-            <p:spPr>
-              <a:xfrm>
-                <a:off x="2377440" y="1950720"/>
-                <a:ext cx="2438400" cy="2423160"/>
-              </a:xfrm>
-              <a:prstGeom prst="ellipse">
-                <a:avLst/>
-              </a:prstGeom>
-              <a:grpFill/>
-              <a:ln w="3175">
-                <a:solidFill>
-                  <a:schemeClr val="bg1"/>
-                </a:solidFill>
-              </a:ln>
-            </p:spPr>
-          </p:pic>
-          <p:sp>
-            <p:nvSpPr>
-              <p:cNvPr id="109" name="Oval 108"/>
-              <p:cNvSpPr/>
-              <p:nvPr/>
-            </p:nvSpPr>
-            <p:spPr>
-              <a:xfrm>
-                <a:off x="2377440" y="1950720"/>
-                <a:ext cx="2441448" cy="2423160"/>
-              </a:xfrm>
-              <a:prstGeom prst="ellipse">
-                <a:avLst/>
-              </a:prstGeom>
-              <a:grpFill/>
-              <a:ln w="3175">
-                <a:solidFill>
-                  <a:schemeClr val="bg1"/>
-                </a:solidFill>
-              </a:ln>
-            </p:spPr>
-            <p:style>
-              <a:lnRef idx="2">
-                <a:schemeClr val="accent1">
-                  <a:shade val="50000"/>
-                </a:schemeClr>
-              </a:lnRef>
-              <a:fillRef idx="1">
-                <a:schemeClr val="accent1"/>
-              </a:fillRef>
-              <a:effectRef idx="0">
-                <a:schemeClr val="accent1"/>
-              </a:effectRef>
-              <a:fontRef idx="minor">
-                <a:schemeClr val="lt1"/>
-              </a:fontRef>
-            </p:style>
-            <p:txBody>
-              <a:bodyPr rtlCol="0" anchor="ctr"/>
-              <a:lstStyle/>
-              <a:p>
-                <a:pPr algn="ctr"/>
-                <a:endParaRPr lang="en-US"/>
-              </a:p>
-            </p:txBody>
-          </p:sp>
-        </p:grpSp>
-        <p:grpSp>
-          <p:nvGrpSpPr>
-            <p:cNvPr id="110" name="Group 109"/>
-            <p:cNvGrpSpPr/>
-            <p:nvPr/>
-          </p:nvGrpSpPr>
-          <p:grpSpPr>
-            <a:xfrm>
-              <a:off x="10728161" y="5983704"/>
-              <a:ext cx="679257" cy="633836"/>
-              <a:chOff x="2377440" y="1950720"/>
-              <a:chExt cx="2441448" cy="2423160"/>
-            </a:xfrm>
-            <a:solidFill>
-              <a:schemeClr val="accent3">
-                <a:alpha val="51000"/>
-              </a:schemeClr>
-            </a:solidFill>
-          </p:grpSpPr>
-          <p:pic>
-            <p:nvPicPr>
-              <p:cNvPr id="111" name="Picture 110"/>
-              <p:cNvPicPr>
-                <a:picLocks noChangeAspect="1"/>
-              </p:cNvPicPr>
-              <p:nvPr/>
-            </p:nvPicPr>
-            <p:blipFill rotWithShape="1">
-              <a:blip r:embed="rId2">
-                <a:extLst>
-                  <a:ext uri="{28A0092B-C50C-407E-A947-70E740481C1C}">
-                    <a14:useLocalDpi xmlns:a14="http://schemas.microsoft.com/office/drawing/2010/main" val="0"/>
-                  </a:ext>
-                </a:extLst>
-              </a:blip>
-              <a:srcRect l="18940" t="81" r="56818" b="22003"/>
-              <a:stretch/>
-            </p:blipFill>
-            <p:spPr>
-              <a:xfrm>
-                <a:off x="2377440" y="1950720"/>
-                <a:ext cx="2438400" cy="2423160"/>
-              </a:xfrm>
-              <a:prstGeom prst="ellipse">
-                <a:avLst/>
-              </a:prstGeom>
-              <a:grpFill/>
-              <a:ln w="3175">
-                <a:solidFill>
-                  <a:schemeClr val="bg1"/>
-                </a:solidFill>
-              </a:ln>
-            </p:spPr>
-          </p:pic>
-          <p:sp>
-            <p:nvSpPr>
-              <p:cNvPr id="112" name="Oval 111"/>
-              <p:cNvSpPr/>
-              <p:nvPr/>
-            </p:nvSpPr>
-            <p:spPr>
-              <a:xfrm>
-                <a:off x="2377440" y="1950720"/>
-                <a:ext cx="2441448" cy="2423160"/>
-              </a:xfrm>
-              <a:prstGeom prst="ellipse">
-                <a:avLst/>
-              </a:prstGeom>
-              <a:grpFill/>
-              <a:ln w="3175">
-                <a:solidFill>
-                  <a:schemeClr val="bg1"/>
-                </a:solidFill>
-              </a:ln>
-            </p:spPr>
-            <p:style>
-              <a:lnRef idx="2">
-                <a:schemeClr val="accent1">
-                  <a:shade val="50000"/>
-                </a:schemeClr>
-              </a:lnRef>
-              <a:fillRef idx="1">
-                <a:schemeClr val="accent1"/>
-              </a:fillRef>
-              <a:effectRef idx="0">
-                <a:schemeClr val="accent1"/>
-              </a:effectRef>
-              <a:fontRef idx="minor">
-                <a:schemeClr val="lt1"/>
-              </a:fontRef>
-            </p:style>
-            <p:txBody>
-              <a:bodyPr rtlCol="0" anchor="ctr"/>
-              <a:lstStyle/>
-              <a:p>
-                <a:pPr algn="ctr"/>
-                <a:endParaRPr lang="en-US"/>
-              </a:p>
-            </p:txBody>
-          </p:sp>
-        </p:grpSp>
-      </p:grpSp>
+              </a:rPr>
+              <a:t>Additional scripts:  </a:t>
+            </a:r>
+            <a:r>
+              <a:rPr lang="en-US" sz="1200" smtClean="0">
+                <a:latin typeface="Courier" charset="0"/>
+                <a:ea typeface="Courier" charset="0"/>
+                <a:cs typeface="Courier" charset="0"/>
+              </a:rPr>
+              <a:t>alignment_counts  genotype_compare  list_maker</a:t>
+            </a:r>
+            <a:endParaRPr lang="en-US" sz="1200">
+              <a:latin typeface="Courier" charset="0"/>
+              <a:ea typeface="Courier" charset="0"/>
+              <a:cs typeface="Courier" charset="0"/>
+            </a:endParaRPr>
+          </a:p>
+        </p:txBody>
+      </p:sp>
     </p:spTree>
     <p:extLst>
       <p:ext uri="{BB962C8B-B14F-4D97-AF65-F5344CB8AC3E}">

--- a/WorkFlow.pptx
+++ b/WorkFlow.pptx
@@ -3608,8 +3608,8 @@
         </p:nvSpPr>
         <p:spPr>
           <a:xfrm>
-            <a:off x="1246410" y="5882931"/>
-            <a:ext cx="6370975" cy="546261"/>
+            <a:off x="997860" y="5882931"/>
+            <a:ext cx="6619526" cy="546261"/>
           </a:xfrm>
           <a:prstGeom prst="snip2DiagRect">
             <a:avLst>
@@ -4298,8 +4298,8 @@
         </p:nvSpPr>
         <p:spPr>
           <a:xfrm>
-            <a:off x="3196713" y="1765741"/>
-            <a:ext cx="8347157" cy="307777"/>
+            <a:off x="2743959" y="1754677"/>
+            <a:ext cx="8884163" cy="307777"/>
           </a:xfrm>
           <a:prstGeom prst="rect">
             <a:avLst/>
@@ -4323,7 +4323,46 @@
                 <a:ea typeface="Courier" charset="0"/>
                 <a:cs typeface="Courier" charset="0"/>
               </a:rPr>
-              <a:t>runalign   filter_count   genoget   geno2colony   DAT_maker   colony_runner</a:t>
+              <a:t>01</a:t>
+            </a:r>
+            <a:r>
+              <a:rPr lang="en-US" sz="1200" spc="-300" smtClean="0">
+                <a:solidFill>
+                  <a:schemeClr val="bg2">
+                    <a:lumMod val="75000"/>
+                  </a:schemeClr>
+                </a:solidFill>
+                <a:latin typeface="Courier" charset="0"/>
+                <a:ea typeface="Courier" charset="0"/>
+                <a:cs typeface="Courier" charset="0"/>
+              </a:rPr>
+              <a:t>...</a:t>
+            </a:r>
+            <a:r>
+              <a:rPr lang="en-US" sz="1400" smtClean="0">
+                <a:solidFill>
+                  <a:schemeClr val="bg2">
+                    <a:lumMod val="75000"/>
+                  </a:schemeClr>
+                </a:solidFill>
+                <a:latin typeface="Courier" charset="0"/>
+                <a:ea typeface="Courier" charset="0"/>
+                <a:cs typeface="Courier" charset="0"/>
+              </a:rPr>
+              <a:t> runalign   </a:t>
+            </a:r>
+            <a:r>
+              <a:rPr lang="en-US" sz="1400" smtClean="0">
+                <a:solidFill>
+                  <a:schemeClr val="bg2">
+                    <a:lumMod val="75000"/>
+                  </a:schemeClr>
+                </a:solidFill>
+                <a:latin typeface="Courier" charset="0"/>
+                <a:ea typeface="Courier" charset="0"/>
+                <a:cs typeface="Courier" charset="0"/>
+              </a:rPr>
+              <a:t>filter_count   genoget   geno2colony   DAT_maker   colony_runner</a:t>
             </a:r>
             <a:endParaRPr lang="en-US" sz="1400" dirty="0">
               <a:solidFill>
@@ -4574,8 +4613,8 @@
         </p:nvSpPr>
         <p:spPr>
           <a:xfrm>
-            <a:off x="4615220" y="3380197"/>
-            <a:ext cx="6950942" cy="307777"/>
+            <a:off x="4068660" y="3353037"/>
+            <a:ext cx="7595349" cy="307777"/>
           </a:xfrm>
           <a:prstGeom prst="rect">
             <a:avLst/>
@@ -4599,7 +4638,59 @@
                 <a:ea typeface="Courier" charset="0"/>
                 <a:cs typeface="Courier" charset="0"/>
               </a:rPr>
-              <a:t>colonizeR   sibshipPlots   colony_mapper   summarise_colony   </a:t>
+              <a:t>02</a:t>
+            </a:r>
+            <a:r>
+              <a:rPr lang="en-US" sz="1400" spc="-300" smtClean="0">
+                <a:solidFill>
+                  <a:schemeClr val="bg2">
+                    <a:lumMod val="75000"/>
+                  </a:schemeClr>
+                </a:solidFill>
+                <a:latin typeface="Courier" charset="0"/>
+                <a:ea typeface="Courier" charset="0"/>
+                <a:cs typeface="Courier" charset="0"/>
+              </a:rPr>
+              <a:t>...</a:t>
+            </a:r>
+            <a:r>
+              <a:rPr lang="en-US" sz="1400" smtClean="0">
+                <a:solidFill>
+                  <a:schemeClr val="bg2">
+                    <a:lumMod val="75000"/>
+                  </a:schemeClr>
+                </a:solidFill>
+                <a:latin typeface="Courier" charset="0"/>
+                <a:ea typeface="Courier" charset="0"/>
+                <a:cs typeface="Courier" charset="0"/>
+              </a:rPr>
+              <a:t> </a:t>
+            </a:r>
+            <a:r>
+              <a:rPr lang="en-US" sz="1400" smtClean="0">
+                <a:solidFill>
+                  <a:schemeClr val="bg2">
+                    <a:lumMod val="75000"/>
+                  </a:schemeClr>
+                </a:solidFill>
+                <a:latin typeface="Courier" charset="0"/>
+                <a:ea typeface="Courier" charset="0"/>
+                <a:cs typeface="Courier" charset="0"/>
+              </a:rPr>
+              <a:t>colonizeR   </a:t>
+            </a:r>
+            <a:r>
+              <a:rPr lang="en-US" sz="1400" smtClean="0">
+                <a:solidFill>
+                  <a:schemeClr val="bg2">
+                    <a:lumMod val="75000"/>
+                  </a:schemeClr>
+                </a:solidFill>
+                <a:latin typeface="Courier" charset="0"/>
+                <a:ea typeface="Courier" charset="0"/>
+                <a:cs typeface="Courier" charset="0"/>
+              </a:rPr>
+              <a:t>sibshipPlots   colony_mapper   summarise_colony   </a:t>
             </a:r>
             <a:endParaRPr lang="en-US" sz="1400" dirty="0">
               <a:solidFill>
@@ -4774,8 +4865,8 @@
         </p:nvSpPr>
         <p:spPr>
           <a:xfrm>
-            <a:off x="4772379" y="5043838"/>
-            <a:ext cx="6521337" cy="307777"/>
+            <a:off x="4241856" y="5040572"/>
+            <a:ext cx="7165744" cy="307777"/>
           </a:xfrm>
           <a:prstGeom prst="rect">
             <a:avLst/>
@@ -4799,7 +4890,46 @@
                 <a:ea typeface="Courier" charset="0"/>
                 <a:cs typeface="Courier" charset="0"/>
               </a:rPr>
-              <a:t>sib_finder   colony_counter   nest_finder   colony_survivor</a:t>
+              <a:t>03</a:t>
+            </a:r>
+            <a:r>
+              <a:rPr lang="en-US" sz="1400" spc="-300" smtClean="0">
+                <a:solidFill>
+                  <a:schemeClr val="bg2">
+                    <a:lumMod val="75000"/>
+                  </a:schemeClr>
+                </a:solidFill>
+                <a:latin typeface="Courier" charset="0"/>
+                <a:ea typeface="Courier" charset="0"/>
+                <a:cs typeface="Courier" charset="0"/>
+              </a:rPr>
+              <a:t>...</a:t>
+            </a:r>
+            <a:r>
+              <a:rPr lang="en-US" sz="1400" smtClean="0">
+                <a:solidFill>
+                  <a:schemeClr val="bg2">
+                    <a:lumMod val="75000"/>
+                  </a:schemeClr>
+                </a:solidFill>
+                <a:latin typeface="Courier" charset="0"/>
+                <a:ea typeface="Courier" charset="0"/>
+                <a:cs typeface="Courier" charset="0"/>
+              </a:rPr>
+              <a:t> sib_finder   </a:t>
+            </a:r>
+            <a:r>
+              <a:rPr lang="en-US" sz="1400" smtClean="0">
+                <a:solidFill>
+                  <a:schemeClr val="bg2">
+                    <a:lumMod val="75000"/>
+                  </a:schemeClr>
+                </a:solidFill>
+                <a:latin typeface="Courier" charset="0"/>
+                <a:ea typeface="Courier" charset="0"/>
+                <a:cs typeface="Courier" charset="0"/>
+              </a:rPr>
+              <a:t>colony_counter   nest_finder   colony_survivor</a:t>
             </a:r>
             <a:endParaRPr lang="en-US" sz="1400" dirty="0">
               <a:solidFill>
@@ -5277,8 +5407,8 @@
         </p:nvSpPr>
         <p:spPr>
           <a:xfrm>
-            <a:off x="1430903" y="5986197"/>
-            <a:ext cx="6054927" cy="338554"/>
+            <a:off x="1061741" y="5986784"/>
+            <a:ext cx="6612772" cy="338554"/>
           </a:xfrm>
           <a:prstGeom prst="rect">
             <a:avLst/>
@@ -5297,7 +5427,15 @@
                   <a:schemeClr val="accent1"/>
                 </a:solidFill>
               </a:rPr>
-              <a:t>Additional scripts:  </a:t>
+              <a:t>Additional </a:t>
+            </a:r>
+            <a:r>
+              <a:rPr lang="en-US" sz="1600" smtClean="0">
+                <a:solidFill>
+                  <a:schemeClr val="accent1"/>
+                </a:solidFill>
+              </a:rPr>
+              <a:t>scripts:  </a:t>
             </a:r>
             <a:r>
               <a:rPr lang="en-US" sz="1200" smtClean="0">
@@ -5305,7 +5443,39 @@
                 <a:ea typeface="Courier" charset="0"/>
                 <a:cs typeface="Courier" charset="0"/>
               </a:rPr>
-              <a:t>alignment_counts  genotype_compare  list_maker</a:t>
+              <a:t>xx</a:t>
+            </a:r>
+            <a:r>
+              <a:rPr lang="en-US" sz="1200" spc="-300" smtClean="0">
+                <a:latin typeface="Courier" charset="0"/>
+                <a:ea typeface="Courier" charset="0"/>
+                <a:cs typeface="Courier" charset="0"/>
+              </a:rPr>
+              <a:t>...</a:t>
+            </a:r>
+            <a:r>
+              <a:rPr lang="en-US" sz="1200" smtClean="0">
+                <a:latin typeface="Courier" charset="0"/>
+                <a:ea typeface="Courier" charset="0"/>
+                <a:cs typeface="Courier" charset="0"/>
+              </a:rPr>
+              <a:t> a</a:t>
+            </a:r>
+            <a:r>
+              <a:rPr lang="en-US" sz="1200" smtClean="0">
+                <a:latin typeface="Courier" charset="0"/>
+                <a:ea typeface="Courier" charset="0"/>
+                <a:cs typeface="Courier" charset="0"/>
+              </a:rPr>
+              <a:t>lignment_counts  </a:t>
+            </a:r>
+            <a:r>
+              <a:rPr lang="en-US" sz="1200" smtClean="0">
+                <a:latin typeface="Courier" charset="0"/>
+                <a:ea typeface="Courier" charset="0"/>
+                <a:cs typeface="Courier" charset="0"/>
+              </a:rPr>
+              <a:t>genotype_compare  list_maker</a:t>
             </a:r>
             <a:endParaRPr lang="en-US" sz="1200">
               <a:latin typeface="Courier" charset="0"/>
